--- a/lab_meetings/2019_07_10.pptx
+++ b/lab_meetings/2019_07_10.pptx
@@ -6,6 +6,8 @@
   </p:sldMasterIdLst>
   <p:sldIdLst>
     <p:sldId id="256" r:id="rId2"/>
+    <p:sldId id="257" r:id="rId3"/>
+    <p:sldId id="258" r:id="rId4"/>
   </p:sldIdLst>
   <p:sldSz cx="12192000" cy="6858000"/>
   <p:notesSz cx="6858000" cy="9144000"/>
@@ -3398,6 +3400,243 @@
 </p:sld>
 </file>
 
+<file path=ppt/slides/slide2.xml><?xml version="1.0" encoding="utf-8"?>
+<p:sld xmlns:a="http://schemas.openxmlformats.org/drawingml/2006/main" xmlns:r="http://schemas.openxmlformats.org/officeDocument/2006/relationships" xmlns:p="http://schemas.openxmlformats.org/presentationml/2006/main">
+  <p:cSld>
+    <p:spTree>
+      <p:nvGrpSpPr>
+        <p:cNvPr id="1" name=""/>
+        <p:cNvGrpSpPr/>
+        <p:nvPr/>
+      </p:nvGrpSpPr>
+      <p:grpSpPr>
+        <a:xfrm>
+          <a:off x="0" y="0"/>
+          <a:ext cx="0" cy="0"/>
+          <a:chOff x="0" y="0"/>
+          <a:chExt cx="0" cy="0"/>
+        </a:xfrm>
+      </p:grpSpPr>
+      <p:sp>
+        <p:nvSpPr>
+          <p:cNvPr id="2" name="Title 1">
+            <a:extLst>
+              <a:ext uri="{FF2B5EF4-FFF2-40B4-BE49-F238E27FC236}">
+                <a16:creationId xmlns:a16="http://schemas.microsoft.com/office/drawing/2014/main" id="{7266B571-C8BA-6D42-A172-96251BF357F8}"/>
+              </a:ext>
+            </a:extLst>
+          </p:cNvPr>
+          <p:cNvSpPr>
+            <a:spLocks noGrp="1"/>
+          </p:cNvSpPr>
+          <p:nvPr>
+            <p:ph type="title"/>
+          </p:nvPr>
+        </p:nvSpPr>
+        <p:spPr/>
+        <p:txBody>
+          <a:bodyPr>
+            <a:normAutofit/>
+          </a:bodyPr>
+          <a:lstStyle/>
+          <a:p>
+            <a:r>
+              <a:rPr lang="en-US" sz="3500" dirty="0"/>
+              <a:t>Ran PHG Pipeline</a:t>
+            </a:r>
+          </a:p>
+        </p:txBody>
+      </p:sp>
+      <p:sp>
+        <p:nvSpPr>
+          <p:cNvPr id="3" name="Content Placeholder 2">
+            <a:extLst>
+              <a:ext uri="{FF2B5EF4-FFF2-40B4-BE49-F238E27FC236}">
+                <a16:creationId xmlns:a16="http://schemas.microsoft.com/office/drawing/2014/main" id="{3CE6CE7F-DF88-0148-951F-04DA0C38B16A}"/>
+              </a:ext>
+            </a:extLst>
+          </p:cNvPr>
+          <p:cNvSpPr>
+            <a:spLocks noGrp="1"/>
+          </p:cNvSpPr>
+          <p:nvPr>
+            <p:ph idx="1"/>
+          </p:nvPr>
+        </p:nvSpPr>
+        <p:spPr/>
+        <p:txBody>
+          <a:bodyPr/>
+          <a:lstStyle/>
+          <a:p>
+            <a:r>
+              <a:rPr lang="en-US" dirty="0"/>
+              <a:t>Populated database and genotyped test data</a:t>
+            </a:r>
+          </a:p>
+        </p:txBody>
+      </p:sp>
+      <p:pic>
+        <p:nvPicPr>
+          <p:cNvPr id="5" name="Picture 4">
+            <a:extLst>
+              <a:ext uri="{FF2B5EF4-FFF2-40B4-BE49-F238E27FC236}">
+                <a16:creationId xmlns:a16="http://schemas.microsoft.com/office/drawing/2014/main" id="{DFD2AE02-B11F-5E41-AA7F-60D0D4C226DC}"/>
+              </a:ext>
+            </a:extLst>
+          </p:cNvPr>
+          <p:cNvPicPr>
+            <a:picLocks noChangeAspect="1"/>
+          </p:cNvPicPr>
+          <p:nvPr/>
+        </p:nvPicPr>
+        <p:blipFill>
+          <a:blip r:embed="rId2"/>
+          <a:stretch>
+            <a:fillRect/>
+          </a:stretch>
+        </p:blipFill>
+        <p:spPr>
+          <a:xfrm>
+            <a:off x="6096000" y="2955850"/>
+            <a:ext cx="5870975" cy="2547937"/>
+          </a:xfrm>
+          <a:prstGeom prst="rect">
+            <a:avLst/>
+          </a:prstGeom>
+        </p:spPr>
+      </p:pic>
+      <p:pic>
+        <p:nvPicPr>
+          <p:cNvPr id="7" name="Picture 6">
+            <a:extLst>
+              <a:ext uri="{FF2B5EF4-FFF2-40B4-BE49-F238E27FC236}">
+                <a16:creationId xmlns:a16="http://schemas.microsoft.com/office/drawing/2014/main" id="{845A0545-EBB8-9D41-A851-6B6BDCA35355}"/>
+              </a:ext>
+            </a:extLst>
+          </p:cNvPr>
+          <p:cNvPicPr>
+            <a:picLocks noChangeAspect="1"/>
+          </p:cNvPicPr>
+          <p:nvPr/>
+        </p:nvPicPr>
+        <p:blipFill>
+          <a:blip r:embed="rId3"/>
+          <a:stretch>
+            <a:fillRect/>
+          </a:stretch>
+        </p:blipFill>
+        <p:spPr>
+          <a:xfrm>
+            <a:off x="471488" y="2681288"/>
+            <a:ext cx="5748337" cy="3097063"/>
+          </a:xfrm>
+          <a:prstGeom prst="rect">
+            <a:avLst/>
+          </a:prstGeom>
+        </p:spPr>
+      </p:pic>
+    </p:spTree>
+    <p:extLst>
+      <p:ext uri="{BB962C8B-B14F-4D97-AF65-F5344CB8AC3E}">
+        <p14:creationId xmlns:p14="http://schemas.microsoft.com/office/powerpoint/2010/main" val="280101411"/>
+      </p:ext>
+    </p:extLst>
+  </p:cSld>
+  <p:clrMapOvr>
+    <a:masterClrMapping/>
+  </p:clrMapOvr>
+</p:sld>
+</file>
+
+<file path=ppt/slides/slide3.xml><?xml version="1.0" encoding="utf-8"?>
+<p:sld xmlns:a="http://schemas.openxmlformats.org/drawingml/2006/main" xmlns:r="http://schemas.openxmlformats.org/officeDocument/2006/relationships" xmlns:p="http://schemas.openxmlformats.org/presentationml/2006/main">
+  <p:cSld>
+    <p:spTree>
+      <p:nvGrpSpPr>
+        <p:cNvPr id="1" name=""/>
+        <p:cNvGrpSpPr/>
+        <p:nvPr/>
+      </p:nvGrpSpPr>
+      <p:grpSpPr>
+        <a:xfrm>
+          <a:off x="0" y="0"/>
+          <a:ext cx="0" cy="0"/>
+          <a:chOff x="0" y="0"/>
+          <a:chExt cx="0" cy="0"/>
+        </a:xfrm>
+      </p:grpSpPr>
+      <p:sp>
+        <p:nvSpPr>
+          <p:cNvPr id="2" name="Title 1">
+            <a:extLst>
+              <a:ext uri="{FF2B5EF4-FFF2-40B4-BE49-F238E27FC236}">
+                <a16:creationId xmlns:a16="http://schemas.microsoft.com/office/drawing/2014/main" id="{777AA573-757A-954D-93A9-703CB8D77070}"/>
+              </a:ext>
+            </a:extLst>
+          </p:cNvPr>
+          <p:cNvSpPr>
+            <a:spLocks noGrp="1"/>
+          </p:cNvSpPr>
+          <p:nvPr>
+            <p:ph type="title"/>
+          </p:nvPr>
+        </p:nvSpPr>
+        <p:spPr/>
+        <p:txBody>
+          <a:bodyPr>
+            <a:normAutofit/>
+          </a:bodyPr>
+          <a:lstStyle/>
+          <a:p>
+            <a:r>
+              <a:rPr lang="en-US" sz="3500" dirty="0"/>
+              <a:t>Phenotype collection</a:t>
+            </a:r>
+          </a:p>
+        </p:txBody>
+      </p:sp>
+      <p:pic>
+        <p:nvPicPr>
+          <p:cNvPr id="5" name="Content Placeholder 4">
+            <a:extLst>
+              <a:ext uri="{FF2B5EF4-FFF2-40B4-BE49-F238E27FC236}">
+                <a16:creationId xmlns:a16="http://schemas.microsoft.com/office/drawing/2014/main" id="{FCAC445D-D95A-6E40-BBDB-AD6C0FD11F62}"/>
+              </a:ext>
+            </a:extLst>
+          </p:cNvPr>
+          <p:cNvPicPr>
+            <a:picLocks noGrp="1" noChangeAspect="1"/>
+          </p:cNvPicPr>
+          <p:nvPr>
+            <p:ph idx="1"/>
+          </p:nvPr>
+        </p:nvPicPr>
+        <p:blipFill>
+          <a:blip r:embed="rId2"/>
+          <a:stretch>
+            <a:fillRect/>
+          </a:stretch>
+        </p:blipFill>
+        <p:spPr>
+          <a:xfrm>
+            <a:off x="1757363" y="1370806"/>
+            <a:ext cx="9067972" cy="5250141"/>
+          </a:xfrm>
+        </p:spPr>
+      </p:pic>
+    </p:spTree>
+    <p:extLst>
+      <p:ext uri="{BB962C8B-B14F-4D97-AF65-F5344CB8AC3E}">
+        <p14:creationId xmlns:p14="http://schemas.microsoft.com/office/powerpoint/2010/main" val="2109344779"/>
+      </p:ext>
+    </p:extLst>
+  </p:cSld>
+  <p:clrMapOvr>
+    <a:masterClrMapping/>
+  </p:clrMapOvr>
+</p:sld>
+</file>
+
 <file path=ppt/theme/theme1.xml><?xml version="1.0" encoding="utf-8"?>
 <a:theme xmlns:a="http://schemas.openxmlformats.org/drawingml/2006/main" name="Office Theme">
   <a:themeElements>
